--- a/Textbooks/Michio Katu.pptx
+++ b/Textbooks/Michio Katu.pptx
@@ -515,9 +515,8 @@
             </a:r>
             <a:br/>
             <a:r>
-              <a:t>Knight, 3rd edition, Chapter 28  </a:t>
-            </a:r>
-            <a:br/>
+              <a:t>Knight, Physics for Scientists and Engineers: A Strategic Approach with Modern Physics, 3rd Edition, Chapter 28  </a:t>
+            </a:r>
             <a:br/>
             <a:r>
               <a:t>  </a:t>

--- a/Textbooks/Michio Katu.pptx
+++ b/Textbooks/Michio Katu.pptx
@@ -515,7 +515,7 @@
             </a:r>
             <a:br/>
             <a:r>
-              <a:t>Knight, Physics for Scientists and Engineers: A Strategic Approach with Modern Physics, 3rd Edition, Chapter 28  </a:t>
+              <a:t>Knight, Physics for Scientists and Engineers: A Strategic Approach with Modern Physics, 3rd Edition, Chapter 37</a:t>
             </a:r>
             <a:br/>
             <a:r>
@@ -532,97 +532,76 @@
             <a:br/>
             <a:br/>
             <a:r>
+              <a:t># Description</a:t>
+            </a:r>
+            <a:br/>
+            <a:r>
+              <a:t>Professor Michio Kaku, born in 1947, is a theoretical physicist, futurist, and</a:t>
+            </a:r>
+            <a:br/>
+            <a:r>
+              <a:t>popularizer of science. He is one of the co-founder of string field theory, a</a:t>
+            </a:r>
+            <a:br/>
+            <a:r>
+              <a:t>branch of string theory, which intends to unite Albert Einstein's earlier</a:t>
+            </a:r>
+            <a:br/>
+            <a:r>
+              <a:t>findings with quantum physics. His research focuses on superstring theory,</a:t>
+            </a:r>
+            <a:br/>
+            <a:r>
+              <a:t>supergravity, supersymmetry, and hadronic physics. He has authored more than</a:t>
+            </a:r>
+            <a:br/>
+            <a:r>
+              <a:t>70 articles and several highly-accessible science books. He grew up a science</a:t>
+            </a:r>
+            <a:br/>
+            <a:r>
+              <a:t>enthusiast. Story has it that he built an atom smasher in his parents' garage</a:t>
+            </a:r>
+            <a:br/>
+            <a:r>
+              <a:t>for his high school science fair. His effort to popularize science has made</a:t>
+            </a:r>
+            <a:br/>
+            <a:r>
+              <a:t>him a well-known public figure. He has made multiple appearance on TV programs</a:t>
+            </a:r>
+            <a:br/>
+            <a:r>
+              <a:t>and film. A fun fact about him is that in 2016, he appeared in a TV commercial</a:t>
+            </a:r>
+            <a:br/>
+            <a:r>
+              <a:t>for Turbo Tax. He has spent majority of his academic career teaching</a:t>
+            </a:r>
+            <a:br/>
+            <a:r>
+              <a:t>Theorectical Physics at the City College of New York.</a:t>
+            </a:r>
+            <a:br/>
+            <a:r>
               <a:t>  </a:t>
             </a:r>
             <a:br/>
             <a:br/>
             <a:r>
-              <a:t>  </a:t>
+              <a:t># Sources  </a:t>
             </a:r>
             <a:br/>
+            <a:r>
+              <a:t>Michio Kaku Biolography (April 2,2014) Retrived from</a:t>
+            </a:r>
             <a:br/>
             <a:r>
-              <a:t># Description</a:t>
+              <a:t>&lt;https://www.biography.com/people/michio-kaku-21429817&gt; access date February</a:t>
             </a:r>
             <a:br/>
-            <a:br/>
-            <a:r>
-              <a:t>  </a:t>
-            </a:r>
-            <a:br/>
-            <a:r>
-              <a:t>Professor Michio Kaku, born in 1947, is a theoretical physicist, futurist, and</a:t>
-            </a:r>
-            <a:br/>
-            <a:r>
-              <a:t>popularizer of science. He is one of the co-founder of string field theory, a</a:t>
-            </a:r>
-            <a:br/>
-            <a:r>
-              <a:t>branch of string theory, which intends to unite Albert Einstein's earlier</a:t>
-            </a:r>
-            <a:br/>
-            <a:r>
-              <a:t>findings with quantum physics. His research focuses on superstring theory,</a:t>
-            </a:r>
-            <a:br/>
-            <a:r>
-              <a:t>supergravity, supersymmetry, and hadronic physics. He has authored more than</a:t>
-            </a:r>
-            <a:br/>
-            <a:r>
-              <a:t>70 articles and several highly-accessible science books. He grew up a science</a:t>
-            </a:r>
-            <a:br/>
-            <a:r>
-              <a:t>enthusiast. Story has it that he built an atom smasher in his parents' garage</a:t>
-            </a:r>
-            <a:br/>
-            <a:r>
-              <a:t>for his high school science fair. His effort to popularize science has made</a:t>
-            </a:r>
-            <a:br/>
-            <a:r>
-              <a:t>him a well-known public figure. He has made multiple appearance on TV programs</a:t>
-            </a:r>
-            <a:br/>
-            <a:r>
-              <a:t>and film. A fun fact about him is that in 2016, he appeared in a TV commercial</a:t>
-            </a:r>
-            <a:br/>
-            <a:r>
-              <a:t>for Turbo Tax. He has spent majority of his academic career teaching</a:t>
-            </a:r>
-            <a:br/>
-            <a:r>
-              <a:t>Theorectical Physics at the City College of New York.</a:t>
-            </a:r>
-            <a:br/>
-            <a:br/>
-            <a:r>
-              <a:t>  </a:t>
-            </a:r>
-            <a:br/>
-            <a:br/>
-            <a:r>
-              <a:t># Sources  </a:t>
-            </a:r>
-            <a:br/>
-            <a:r>
-              <a:t>Michio Kaku Biolography (April 2,2014) Retrived from</a:t>
-            </a:r>
-            <a:br/>
-            <a:r>
-              <a:t>&lt;https://www.biography.com/people/michio-kaku-21429817&gt; access date February</a:t>
-            </a:r>
-            <a:br/>
             <a:r>
               <a:t>18, 2018)</a:t>
-            </a:r>
-            <a:br/>
-            <a:br/>
-            <a:r>
-              <a:t>  </a:t>
             </a:r>
             <a:br/>
             <a:br/>
